--- a/figures/gcn_result/chapter4/gcncomp.pptx
+++ b/figures/gcn_result/chapter4/gcncomp.pptx
@@ -241,7 +241,7 @@
           <a:p>
             <a:fld id="{1E071DFB-5B90-429E-B0AD-4CD7E0B1EAA7}" type="datetimeFigureOut">
               <a:rPr lang="zh-CN" altLang="en-US" smtClean="0"/>
-              <a:t>2020/10/19</a:t>
+              <a:t>2020/10/21</a:t>
             </a:fld>
             <a:endParaRPr lang="zh-CN" altLang="en-US"/>
           </a:p>
@@ -409,7 +409,7 @@
           <a:p>
             <a:fld id="{1E071DFB-5B90-429E-B0AD-4CD7E0B1EAA7}" type="datetimeFigureOut">
               <a:rPr lang="zh-CN" altLang="en-US" smtClean="0"/>
-              <a:t>2020/10/19</a:t>
+              <a:t>2020/10/21</a:t>
             </a:fld>
             <a:endParaRPr lang="zh-CN" altLang="en-US"/>
           </a:p>
@@ -587,7 +587,7 @@
           <a:p>
             <a:fld id="{1E071DFB-5B90-429E-B0AD-4CD7E0B1EAA7}" type="datetimeFigureOut">
               <a:rPr lang="zh-CN" altLang="en-US" smtClean="0"/>
-              <a:t>2020/10/19</a:t>
+              <a:t>2020/10/21</a:t>
             </a:fld>
             <a:endParaRPr lang="zh-CN" altLang="en-US"/>
           </a:p>
@@ -755,7 +755,7 @@
           <a:p>
             <a:fld id="{1E071DFB-5B90-429E-B0AD-4CD7E0B1EAA7}" type="datetimeFigureOut">
               <a:rPr lang="zh-CN" altLang="en-US" smtClean="0"/>
-              <a:t>2020/10/19</a:t>
+              <a:t>2020/10/21</a:t>
             </a:fld>
             <a:endParaRPr lang="zh-CN" altLang="en-US"/>
           </a:p>
@@ -1000,7 +1000,7 @@
           <a:p>
             <a:fld id="{1E071DFB-5B90-429E-B0AD-4CD7E0B1EAA7}" type="datetimeFigureOut">
               <a:rPr lang="zh-CN" altLang="en-US" smtClean="0"/>
-              <a:t>2020/10/19</a:t>
+              <a:t>2020/10/21</a:t>
             </a:fld>
             <a:endParaRPr lang="zh-CN" altLang="en-US"/>
           </a:p>
@@ -1229,7 +1229,7 @@
           <a:p>
             <a:fld id="{1E071DFB-5B90-429E-B0AD-4CD7E0B1EAA7}" type="datetimeFigureOut">
               <a:rPr lang="zh-CN" altLang="en-US" smtClean="0"/>
-              <a:t>2020/10/19</a:t>
+              <a:t>2020/10/21</a:t>
             </a:fld>
             <a:endParaRPr lang="zh-CN" altLang="en-US"/>
           </a:p>
@@ -1593,7 +1593,7 @@
           <a:p>
             <a:fld id="{1E071DFB-5B90-429E-B0AD-4CD7E0B1EAA7}" type="datetimeFigureOut">
               <a:rPr lang="zh-CN" altLang="en-US" smtClean="0"/>
-              <a:t>2020/10/19</a:t>
+              <a:t>2020/10/21</a:t>
             </a:fld>
             <a:endParaRPr lang="zh-CN" altLang="en-US"/>
           </a:p>
@@ -1710,7 +1710,7 @@
           <a:p>
             <a:fld id="{1E071DFB-5B90-429E-B0AD-4CD7E0B1EAA7}" type="datetimeFigureOut">
               <a:rPr lang="zh-CN" altLang="en-US" smtClean="0"/>
-              <a:t>2020/10/19</a:t>
+              <a:t>2020/10/21</a:t>
             </a:fld>
             <a:endParaRPr lang="zh-CN" altLang="en-US"/>
           </a:p>
@@ -1805,7 +1805,7 @@
           <a:p>
             <a:fld id="{1E071DFB-5B90-429E-B0AD-4CD7E0B1EAA7}" type="datetimeFigureOut">
               <a:rPr lang="zh-CN" altLang="en-US" smtClean="0"/>
-              <a:t>2020/10/19</a:t>
+              <a:t>2020/10/21</a:t>
             </a:fld>
             <a:endParaRPr lang="zh-CN" altLang="en-US"/>
           </a:p>
@@ -2080,7 +2080,7 @@
           <a:p>
             <a:fld id="{1E071DFB-5B90-429E-B0AD-4CD7E0B1EAA7}" type="datetimeFigureOut">
               <a:rPr lang="zh-CN" altLang="en-US" smtClean="0"/>
-              <a:t>2020/10/19</a:t>
+              <a:t>2020/10/21</a:t>
             </a:fld>
             <a:endParaRPr lang="zh-CN" altLang="en-US"/>
           </a:p>
@@ -2332,7 +2332,7 @@
           <a:p>
             <a:fld id="{1E071DFB-5B90-429E-B0AD-4CD7E0B1EAA7}" type="datetimeFigureOut">
               <a:rPr lang="zh-CN" altLang="en-US" smtClean="0"/>
-              <a:t>2020/10/19</a:t>
+              <a:t>2020/10/21</a:t>
             </a:fld>
             <a:endParaRPr lang="zh-CN" altLang="en-US"/>
           </a:p>
@@ -2543,7 +2543,7 @@
           <a:p>
             <a:fld id="{1E071DFB-5B90-429E-B0AD-4CD7E0B1EAA7}" type="datetimeFigureOut">
               <a:rPr lang="zh-CN" altLang="en-US" smtClean="0"/>
-              <a:t>2020/10/19</a:t>
+              <a:t>2020/10/21</a:t>
             </a:fld>
             <a:endParaRPr lang="zh-CN" altLang="en-US"/>
           </a:p>
@@ -2956,7 +2956,7 @@
         </p:nvSpPr>
         <p:spPr>
           <a:xfrm>
-            <a:off x="4545687" y="5864864"/>
+            <a:off x="5092928" y="6220592"/>
             <a:ext cx="2702011" cy="461665"/>
           </a:xfrm>
           <a:prstGeom prst="rect">
@@ -2972,19 +2972,16 @@
           <a:p>
             <a:pPr algn="ctr"/>
             <a:r>
-              <a:rPr lang="en-US" altLang="zh-CN" sz="2400" dirty="0">
+              <a:rPr lang="en-US" altLang="zh-CN" sz="2400" b="1" dirty="0">
                 <a:latin typeface="Times New Roman" panose="02020603050405020304" pitchFamily="18" charset="0"/>
                 <a:cs typeface="Times New Roman" panose="02020603050405020304" pitchFamily="18" charset="0"/>
               </a:rPr>
               <a:t>GCN+CFD</a:t>
             </a:r>
-            <a:r>
-              <a:rPr lang="zh-CN" altLang="en-US" sz="2400" dirty="0">
-                <a:latin typeface="Times New Roman" panose="02020603050405020304" pitchFamily="18" charset="0"/>
-                <a:cs typeface="Times New Roman" panose="02020603050405020304" pitchFamily="18" charset="0"/>
-              </a:rPr>
-              <a:t>优化</a:t>
-            </a:r>
+            <a:endParaRPr lang="zh-CN" altLang="en-US" sz="2400" b="1" dirty="0">
+              <a:latin typeface="Times New Roman" panose="02020603050405020304" pitchFamily="18" charset="0"/>
+              <a:cs typeface="Times New Roman" panose="02020603050405020304" pitchFamily="18" charset="0"/>
+            </a:endParaRPr>
           </a:p>
         </p:txBody>
       </p:sp>
@@ -2996,7 +2993,7 @@
         </p:nvSpPr>
         <p:spPr>
           <a:xfrm>
-            <a:off x="8314028" y="5864864"/>
+            <a:off x="8302692" y="6220591"/>
             <a:ext cx="2702011" cy="461665"/>
           </a:xfrm>
           <a:prstGeom prst="rect">
@@ -3012,27 +3009,13 @@
           <a:p>
             <a:pPr algn="ctr"/>
             <a:r>
-              <a:rPr lang="zh-CN" altLang="en-US" sz="2400" dirty="0">
+              <a:rPr lang="en-US" altLang="zh-CN" sz="2400" b="1" dirty="0">
                 <a:latin typeface="Times New Roman" panose="02020603050405020304" pitchFamily="18" charset="0"/>
                 <a:cs typeface="Times New Roman" panose="02020603050405020304" pitchFamily="18" charset="0"/>
               </a:rPr>
-              <a:t>传统</a:t>
-            </a:r>
-            <a:r>
-              <a:rPr lang="en-US" altLang="zh-CN" sz="2400" dirty="0">
-                <a:latin typeface="Times New Roman" panose="02020603050405020304" pitchFamily="18" charset="0"/>
-                <a:cs typeface="Times New Roman" panose="02020603050405020304" pitchFamily="18" charset="0"/>
-              </a:rPr>
-              <a:t>CFD</a:t>
-            </a:r>
-            <a:r>
-              <a:rPr lang="zh-CN" altLang="en-US" sz="2400">
-                <a:latin typeface="Times New Roman" panose="02020603050405020304" pitchFamily="18" charset="0"/>
-                <a:cs typeface="Times New Roman" panose="02020603050405020304" pitchFamily="18" charset="0"/>
-              </a:rPr>
-              <a:t>求解器</a:t>
-            </a:r>
-            <a:endParaRPr lang="zh-CN" altLang="en-US" sz="2400" dirty="0">
+              <a:t>P_CFD</a:t>
+            </a:r>
+            <a:endParaRPr lang="zh-CN" altLang="en-US" sz="2400" b="1" dirty="0">
               <a:latin typeface="Times New Roman" panose="02020603050405020304" pitchFamily="18" charset="0"/>
               <a:cs typeface="Times New Roman" panose="02020603050405020304" pitchFamily="18" charset="0"/>
             </a:endParaRPr>
@@ -3047,7 +3030,7 @@
         </p:nvSpPr>
         <p:spPr>
           <a:xfrm>
-            <a:off x="1175963" y="5864864"/>
+            <a:off x="1818563" y="6243850"/>
             <a:ext cx="2702011" cy="461665"/>
           </a:xfrm>
           <a:prstGeom prst="rect">
@@ -3063,25 +3046,111 @@
           <a:p>
             <a:pPr algn="ctr"/>
             <a:r>
-              <a:rPr lang="en-US" altLang="zh-CN" sz="2400" dirty="0">
+              <a:rPr lang="en-US" altLang="zh-CN" sz="2400" b="1" dirty="0">
                 <a:latin typeface="Times New Roman" panose="02020603050405020304" pitchFamily="18" charset="0"/>
                 <a:cs typeface="Times New Roman" panose="02020603050405020304" pitchFamily="18" charset="0"/>
               </a:rPr>
               <a:t>GCN</a:t>
             </a:r>
-            <a:endParaRPr lang="zh-CN" altLang="en-US" sz="2400" dirty="0">
+            <a:endParaRPr lang="zh-CN" altLang="en-US" sz="2400" b="1" dirty="0">
               <a:latin typeface="Times New Roman" panose="02020603050405020304" pitchFamily="18" charset="0"/>
               <a:cs typeface="Times New Roman" panose="02020603050405020304" pitchFamily="18" charset="0"/>
             </a:endParaRPr>
           </a:p>
         </p:txBody>
       </p:sp>
+      <p:sp>
+        <p:nvSpPr>
+          <p:cNvPr id="2" name="文本框 1">
+            <a:extLst>
+              <a:ext uri="{FF2B5EF4-FFF2-40B4-BE49-F238E27FC236}">
+                <a16:creationId xmlns:a16="http://schemas.microsoft.com/office/drawing/2014/main" id="{C0FF179C-14DC-4A9F-8BCB-026DFBCBF418}"/>
+              </a:ext>
+            </a:extLst>
+          </p:cNvPr>
+          <p:cNvSpPr txBox="1"/>
+          <p:nvPr/>
+        </p:nvSpPr>
+        <p:spPr>
+          <a:xfrm>
+            <a:off x="600395" y="1390245"/>
+            <a:ext cx="580336" cy="461665"/>
+          </a:xfrm>
+          <a:prstGeom prst="rect">
+            <a:avLst/>
+          </a:prstGeom>
+          <a:noFill/>
+        </p:spPr>
+        <p:txBody>
+          <a:bodyPr wrap="square" rtlCol="0">
+            <a:spAutoFit/>
+          </a:bodyPr>
+          <a:lstStyle/>
+          <a:p>
+            <a:pPr algn="ctr"/>
+            <a:r>
+              <a:rPr lang="en-US" altLang="zh-CN" sz="2400" b="1" dirty="0">
+                <a:latin typeface="Times New Roman" panose="02020603050405020304" pitchFamily="18" charset="0"/>
+                <a:cs typeface="Times New Roman" panose="02020603050405020304" pitchFamily="18" charset="0"/>
+              </a:rPr>
+              <a:t>P</a:t>
+            </a:r>
+            <a:endParaRPr lang="zh-CN" altLang="en-US" sz="2400" b="1" dirty="0">
+              <a:latin typeface="Times New Roman" panose="02020603050405020304" pitchFamily="18" charset="0"/>
+              <a:cs typeface="Times New Roman" panose="02020603050405020304" pitchFamily="18" charset="0"/>
+            </a:endParaRPr>
+          </a:p>
+        </p:txBody>
+      </p:sp>
+      <p:sp>
+        <p:nvSpPr>
+          <p:cNvPr id="3" name="文本框 2">
+            <a:extLst>
+              <a:ext uri="{FF2B5EF4-FFF2-40B4-BE49-F238E27FC236}">
+                <a16:creationId xmlns:a16="http://schemas.microsoft.com/office/drawing/2014/main" id="{8945B086-1921-45E1-BC3D-3D3A8E2B34D1}"/>
+              </a:ext>
+            </a:extLst>
+          </p:cNvPr>
+          <p:cNvSpPr txBox="1"/>
+          <p:nvPr/>
+        </p:nvSpPr>
+        <p:spPr>
+          <a:xfrm>
+            <a:off x="689171" y="4429744"/>
+            <a:ext cx="402784" cy="461665"/>
+          </a:xfrm>
+          <a:prstGeom prst="rect">
+            <a:avLst/>
+          </a:prstGeom>
+          <a:noFill/>
+        </p:spPr>
+        <p:txBody>
+          <a:bodyPr wrap="square" rtlCol="0">
+            <a:spAutoFit/>
+          </a:bodyPr>
+          <a:lstStyle/>
+          <a:p>
+            <a:pPr algn="ctr"/>
+            <a:r>
+              <a:rPr lang="en-US" altLang="zh-CN" sz="2400" b="1" dirty="0">
+                <a:latin typeface="Times New Roman" panose="02020603050405020304" pitchFamily="18" charset="0"/>
+                <a:cs typeface="Times New Roman" panose="02020603050405020304" pitchFamily="18" charset="0"/>
+              </a:rPr>
+              <a:t>U</a:t>
+            </a:r>
+            <a:endParaRPr lang="zh-CN" altLang="en-US" sz="2400" b="1" dirty="0">
+              <a:latin typeface="Times New Roman" panose="02020603050405020304" pitchFamily="18" charset="0"/>
+              <a:cs typeface="Times New Roman" panose="02020603050405020304" pitchFamily="18" charset="0"/>
+            </a:endParaRPr>
+          </a:p>
+        </p:txBody>
+      </p:sp>
       <p:pic>
         <p:nvPicPr>
-          <p:cNvPr id="4" name="图片 3">
+          <p:cNvPr id="10" name="图片 9">
             <a:extLst>
               <a:ext uri="{FF2B5EF4-FFF2-40B4-BE49-F238E27FC236}">
-                <a16:creationId xmlns:a16="http://schemas.microsoft.com/office/drawing/2014/main" id="{57FB4F56-8D8D-4371-ACD4-2DA23698767B}"/>
+                <a16:creationId xmlns:a16="http://schemas.microsoft.com/office/drawing/2014/main" id="{B77F46C7-9B62-4196-9338-603D77AF8C38}"/>
               </a:ext>
             </a:extLst>
           </p:cNvPr>
@@ -3104,8 +3173,8 @@
         </p:blipFill>
         <p:spPr>
           <a:xfrm>
-            <a:off x="1459724" y="531471"/>
-            <a:ext cx="2329797" cy="2340533"/>
+            <a:off x="8155841" y="123221"/>
+            <a:ext cx="2995715" cy="2995715"/>
           </a:xfrm>
           <a:prstGeom prst="rect">
             <a:avLst/>
@@ -3114,10 +3183,10 @@
       </p:pic>
       <p:pic>
         <p:nvPicPr>
-          <p:cNvPr id="6" name="图片 5">
+          <p:cNvPr id="13" name="图片 12">
             <a:extLst>
               <a:ext uri="{FF2B5EF4-FFF2-40B4-BE49-F238E27FC236}">
-                <a16:creationId xmlns:a16="http://schemas.microsoft.com/office/drawing/2014/main" id="{D8C529E1-249F-42D3-85BD-9E2152BCF330}"/>
+                <a16:creationId xmlns:a16="http://schemas.microsoft.com/office/drawing/2014/main" id="{E2DAB817-3165-4007-B416-5A7ABD63CF0F}"/>
               </a:ext>
             </a:extLst>
           </p:cNvPr>
@@ -3140,8 +3209,8 @@
         </p:blipFill>
         <p:spPr>
           <a:xfrm>
-            <a:off x="1459724" y="3262302"/>
-            <a:ext cx="2329797" cy="2329797"/>
+            <a:off x="4913777" y="123222"/>
+            <a:ext cx="2995715" cy="2995715"/>
           </a:xfrm>
           <a:prstGeom prst="rect">
             <a:avLst/>
@@ -3150,10 +3219,10 @@
       </p:pic>
       <p:pic>
         <p:nvPicPr>
-          <p:cNvPr id="12" name="图片 11">
+          <p:cNvPr id="17" name="图片 16">
             <a:extLst>
               <a:ext uri="{FF2B5EF4-FFF2-40B4-BE49-F238E27FC236}">
-                <a16:creationId xmlns:a16="http://schemas.microsoft.com/office/drawing/2014/main" id="{37A9A8F8-7A2D-4653-81F3-038CEB598DBA}"/>
+                <a16:creationId xmlns:a16="http://schemas.microsoft.com/office/drawing/2014/main" id="{46AA8B50-29EB-43DB-A75E-6E8A385C4888}"/>
               </a:ext>
             </a:extLst>
           </p:cNvPr>
@@ -3176,8 +3245,8 @@
         </p:blipFill>
         <p:spPr>
           <a:xfrm>
-            <a:off x="4903564" y="531471"/>
-            <a:ext cx="2344134" cy="2340533"/>
+            <a:off x="1671713" y="123224"/>
+            <a:ext cx="2995715" cy="2995715"/>
           </a:xfrm>
           <a:prstGeom prst="rect">
             <a:avLst/>
@@ -3186,10 +3255,10 @@
       </p:pic>
       <p:pic>
         <p:nvPicPr>
-          <p:cNvPr id="14" name="图片 13">
+          <p:cNvPr id="20" name="图片 19">
             <a:extLst>
               <a:ext uri="{FF2B5EF4-FFF2-40B4-BE49-F238E27FC236}">
-                <a16:creationId xmlns:a16="http://schemas.microsoft.com/office/drawing/2014/main" id="{374AF6E8-8B7E-4EE1-92B4-E427E6FB394D}"/>
+                <a16:creationId xmlns:a16="http://schemas.microsoft.com/office/drawing/2014/main" id="{4C75AF0F-DE02-4E28-BE9A-437E765D7A90}"/>
               </a:ext>
             </a:extLst>
           </p:cNvPr>
@@ -3212,8 +3281,8 @@
         </p:blipFill>
         <p:spPr>
           <a:xfrm>
-            <a:off x="4931101" y="3265863"/>
-            <a:ext cx="2329798" cy="2326236"/>
+            <a:off x="8155840" y="3224876"/>
+            <a:ext cx="2995716" cy="2995716"/>
           </a:xfrm>
           <a:prstGeom prst="rect">
             <a:avLst/>
@@ -3222,10 +3291,10 @@
       </p:pic>
       <p:pic>
         <p:nvPicPr>
-          <p:cNvPr id="16" name="图片 15">
+          <p:cNvPr id="22" name="图片 21">
             <a:extLst>
               <a:ext uri="{FF2B5EF4-FFF2-40B4-BE49-F238E27FC236}">
-                <a16:creationId xmlns:a16="http://schemas.microsoft.com/office/drawing/2014/main" id="{2097DC7F-59AB-4307-B774-969D4C7A9965}"/>
+                <a16:creationId xmlns:a16="http://schemas.microsoft.com/office/drawing/2014/main" id="{058281A6-8D77-43C0-AEB8-2EF00371A975}"/>
               </a:ext>
             </a:extLst>
           </p:cNvPr>
@@ -3235,7 +3304,7 @@
           <p:nvPr/>
         </p:nvPicPr>
         <p:blipFill>
-          <a:blip r:embed="rId4" cstate="print">
+          <a:blip r:embed="rId6" cstate="print">
             <a:extLst>
               <a:ext uri="{28A0092B-C50C-407E-A947-70E740481C1C}">
                 <a14:useLocalDpi xmlns:a14="http://schemas.microsoft.com/office/drawing/2010/main" val="0"/>
@@ -3248,8 +3317,8 @@
         </p:blipFill>
         <p:spPr>
           <a:xfrm>
-            <a:off x="8361741" y="531471"/>
-            <a:ext cx="2344134" cy="2340533"/>
+            <a:off x="4913775" y="3224875"/>
+            <a:ext cx="2995717" cy="2995717"/>
           </a:xfrm>
           <a:prstGeom prst="rect">
             <a:avLst/>
@@ -3258,10 +3327,10 @@
       </p:pic>
       <p:pic>
         <p:nvPicPr>
-          <p:cNvPr id="18" name="图片 17">
+          <p:cNvPr id="24" name="图片 23">
             <a:extLst>
               <a:ext uri="{FF2B5EF4-FFF2-40B4-BE49-F238E27FC236}">
-                <a16:creationId xmlns:a16="http://schemas.microsoft.com/office/drawing/2014/main" id="{80FA5E28-03A9-4E9B-B9C5-BC2FE7E6965D}"/>
+                <a16:creationId xmlns:a16="http://schemas.microsoft.com/office/drawing/2014/main" id="{10BEF57D-6F7E-417C-A3D4-868B97E1EEB3}"/>
               </a:ext>
             </a:extLst>
           </p:cNvPr>
@@ -3271,7 +3340,7 @@
           <p:nvPr/>
         </p:nvPicPr>
         <p:blipFill>
-          <a:blip r:embed="rId5" cstate="print">
+          <a:blip r:embed="rId7" cstate="print">
             <a:extLst>
               <a:ext uri="{28A0092B-C50C-407E-A947-70E740481C1C}">
                 <a14:useLocalDpi xmlns:a14="http://schemas.microsoft.com/office/drawing/2010/main" val="0"/>
@@ -3284,100 +3353,14 @@
         </p:blipFill>
         <p:spPr>
           <a:xfrm>
-            <a:off x="8389278" y="3265863"/>
-            <a:ext cx="2329798" cy="2326236"/>
+            <a:off x="1671712" y="3224877"/>
+            <a:ext cx="2995715" cy="2995715"/>
           </a:xfrm>
           <a:prstGeom prst="rect">
             <a:avLst/>
           </a:prstGeom>
         </p:spPr>
       </p:pic>
-      <p:sp>
-        <p:nvSpPr>
-          <p:cNvPr id="2" name="文本框 1">
-            <a:extLst>
-              <a:ext uri="{FF2B5EF4-FFF2-40B4-BE49-F238E27FC236}">
-                <a16:creationId xmlns:a16="http://schemas.microsoft.com/office/drawing/2014/main" id="{C0FF179C-14DC-4A9F-8BCB-026DFBCBF418}"/>
-              </a:ext>
-            </a:extLst>
-          </p:cNvPr>
-          <p:cNvSpPr txBox="1"/>
-          <p:nvPr/>
-        </p:nvSpPr>
-        <p:spPr>
-          <a:xfrm>
-            <a:off x="-580336" y="1701737"/>
-            <a:ext cx="2702011" cy="461665"/>
-          </a:xfrm>
-          <a:prstGeom prst="rect">
-            <a:avLst/>
-          </a:prstGeom>
-          <a:noFill/>
-        </p:spPr>
-        <p:txBody>
-          <a:bodyPr wrap="square" rtlCol="0">
-            <a:spAutoFit/>
-          </a:bodyPr>
-          <a:lstStyle/>
-          <a:p>
-            <a:pPr algn="ctr"/>
-            <a:r>
-              <a:rPr lang="en-US" altLang="zh-CN" sz="2400" dirty="0">
-                <a:latin typeface="Times New Roman" panose="02020603050405020304" pitchFamily="18" charset="0"/>
-                <a:cs typeface="Times New Roman" panose="02020603050405020304" pitchFamily="18" charset="0"/>
-              </a:rPr>
-              <a:t>P</a:t>
-            </a:r>
-            <a:endParaRPr lang="zh-CN" altLang="en-US" sz="2400" dirty="0">
-              <a:latin typeface="Times New Roman" panose="02020603050405020304" pitchFamily="18" charset="0"/>
-              <a:cs typeface="Times New Roman" panose="02020603050405020304" pitchFamily="18" charset="0"/>
-            </a:endParaRPr>
-          </a:p>
-        </p:txBody>
-      </p:sp>
-      <p:sp>
-        <p:nvSpPr>
-          <p:cNvPr id="3" name="文本框 2">
-            <a:extLst>
-              <a:ext uri="{FF2B5EF4-FFF2-40B4-BE49-F238E27FC236}">
-                <a16:creationId xmlns:a16="http://schemas.microsoft.com/office/drawing/2014/main" id="{8945B086-1921-45E1-BC3D-3D3A8E2B34D1}"/>
-              </a:ext>
-            </a:extLst>
-          </p:cNvPr>
-          <p:cNvSpPr txBox="1"/>
-          <p:nvPr/>
-        </p:nvSpPr>
-        <p:spPr>
-          <a:xfrm>
-            <a:off x="-580337" y="4261069"/>
-            <a:ext cx="2702011" cy="461665"/>
-          </a:xfrm>
-          <a:prstGeom prst="rect">
-            <a:avLst/>
-          </a:prstGeom>
-          <a:noFill/>
-        </p:spPr>
-        <p:txBody>
-          <a:bodyPr wrap="square" rtlCol="0">
-            <a:spAutoFit/>
-          </a:bodyPr>
-          <a:lstStyle/>
-          <a:p>
-            <a:pPr algn="ctr"/>
-            <a:r>
-              <a:rPr lang="en-US" altLang="zh-CN" sz="2400" dirty="0">
-                <a:latin typeface="Times New Roman" panose="02020603050405020304" pitchFamily="18" charset="0"/>
-                <a:cs typeface="Times New Roman" panose="02020603050405020304" pitchFamily="18" charset="0"/>
-              </a:rPr>
-              <a:t>U</a:t>
-            </a:r>
-            <a:endParaRPr lang="zh-CN" altLang="en-US" sz="2400" dirty="0">
-              <a:latin typeface="Times New Roman" panose="02020603050405020304" pitchFamily="18" charset="0"/>
-              <a:cs typeface="Times New Roman" panose="02020603050405020304" pitchFamily="18" charset="0"/>
-            </a:endParaRPr>
-          </a:p>
-        </p:txBody>
-      </p:sp>
     </p:spTree>
     <p:extLst>
       <p:ext uri="{BB962C8B-B14F-4D97-AF65-F5344CB8AC3E}">
